--- a/HW5/숙제5.pptx
+++ b/HW5/숙제5.pptx
@@ -280,7 +280,7 @@
           <a:p>
             <a:fld id="{F65EEC4A-4F5B-4FF3-8194-1AC6353E6C11}" type="datetimeFigureOut">
               <a:rPr lang="ko-KR" altLang="en-US" smtClean="0"/>
-              <a:t>2019-11-28</a:t>
+              <a:t>2019. 11. 30.</a:t>
             </a:fld>
             <a:endParaRPr lang="ko-KR" altLang="en-US"/>
           </a:p>
@@ -478,7 +478,7 @@
           <a:p>
             <a:fld id="{F65EEC4A-4F5B-4FF3-8194-1AC6353E6C11}" type="datetimeFigureOut">
               <a:rPr lang="ko-KR" altLang="en-US" smtClean="0"/>
-              <a:t>2019-11-28</a:t>
+              <a:t>2019. 11. 30.</a:t>
             </a:fld>
             <a:endParaRPr lang="ko-KR" altLang="en-US"/>
           </a:p>
@@ -686,7 +686,7 @@
           <a:p>
             <a:fld id="{F65EEC4A-4F5B-4FF3-8194-1AC6353E6C11}" type="datetimeFigureOut">
               <a:rPr lang="ko-KR" altLang="en-US" smtClean="0"/>
-              <a:t>2019-11-28</a:t>
+              <a:t>2019. 11. 30.</a:t>
             </a:fld>
             <a:endParaRPr lang="ko-KR" altLang="en-US"/>
           </a:p>
@@ -884,7 +884,7 @@
           <a:p>
             <a:fld id="{F65EEC4A-4F5B-4FF3-8194-1AC6353E6C11}" type="datetimeFigureOut">
               <a:rPr lang="ko-KR" altLang="en-US" smtClean="0"/>
-              <a:t>2019-11-28</a:t>
+              <a:t>2019. 11. 30.</a:t>
             </a:fld>
             <a:endParaRPr lang="ko-KR" altLang="en-US"/>
           </a:p>
@@ -1159,7 +1159,7 @@
           <a:p>
             <a:fld id="{F65EEC4A-4F5B-4FF3-8194-1AC6353E6C11}" type="datetimeFigureOut">
               <a:rPr lang="ko-KR" altLang="en-US" smtClean="0"/>
-              <a:t>2019-11-28</a:t>
+              <a:t>2019. 11. 30.</a:t>
             </a:fld>
             <a:endParaRPr lang="ko-KR" altLang="en-US"/>
           </a:p>
@@ -1424,7 +1424,7 @@
           <a:p>
             <a:fld id="{F65EEC4A-4F5B-4FF3-8194-1AC6353E6C11}" type="datetimeFigureOut">
               <a:rPr lang="ko-KR" altLang="en-US" smtClean="0"/>
-              <a:t>2019-11-28</a:t>
+              <a:t>2019. 11. 30.</a:t>
             </a:fld>
             <a:endParaRPr lang="ko-KR" altLang="en-US"/>
           </a:p>
@@ -1836,7 +1836,7 @@
           <a:p>
             <a:fld id="{F65EEC4A-4F5B-4FF3-8194-1AC6353E6C11}" type="datetimeFigureOut">
               <a:rPr lang="ko-KR" altLang="en-US" smtClean="0"/>
-              <a:t>2019-11-28</a:t>
+              <a:t>2019. 11. 30.</a:t>
             </a:fld>
             <a:endParaRPr lang="ko-KR" altLang="en-US"/>
           </a:p>
@@ -1977,7 +1977,7 @@
           <a:p>
             <a:fld id="{F65EEC4A-4F5B-4FF3-8194-1AC6353E6C11}" type="datetimeFigureOut">
               <a:rPr lang="ko-KR" altLang="en-US" smtClean="0"/>
-              <a:t>2019-11-28</a:t>
+              <a:t>2019. 11. 30.</a:t>
             </a:fld>
             <a:endParaRPr lang="ko-KR" altLang="en-US"/>
           </a:p>
@@ -2090,7 +2090,7 @@
           <a:p>
             <a:fld id="{F65EEC4A-4F5B-4FF3-8194-1AC6353E6C11}" type="datetimeFigureOut">
               <a:rPr lang="ko-KR" altLang="en-US" smtClean="0"/>
-              <a:t>2019-11-28</a:t>
+              <a:t>2019. 11. 30.</a:t>
             </a:fld>
             <a:endParaRPr lang="ko-KR" altLang="en-US"/>
           </a:p>
@@ -2401,7 +2401,7 @@
           <a:p>
             <a:fld id="{F65EEC4A-4F5B-4FF3-8194-1AC6353E6C11}" type="datetimeFigureOut">
               <a:rPr lang="ko-KR" altLang="en-US" smtClean="0"/>
-              <a:t>2019-11-28</a:t>
+              <a:t>2019. 11. 30.</a:t>
             </a:fld>
             <a:endParaRPr lang="ko-KR" altLang="en-US"/>
           </a:p>
@@ -2689,7 +2689,7 @@
           <a:p>
             <a:fld id="{F65EEC4A-4F5B-4FF3-8194-1AC6353E6C11}" type="datetimeFigureOut">
               <a:rPr lang="ko-KR" altLang="en-US" smtClean="0"/>
-              <a:t>2019-11-28</a:t>
+              <a:t>2019. 11. 30.</a:t>
             </a:fld>
             <a:endParaRPr lang="ko-KR" altLang="en-US"/>
           </a:p>
@@ -2930,7 +2930,7 @@
           <a:p>
             <a:fld id="{F65EEC4A-4F5B-4FF3-8194-1AC6353E6C11}" type="datetimeFigureOut">
               <a:rPr lang="ko-KR" altLang="en-US" smtClean="0"/>
-              <a:t>2019-11-28</a:t>
+              <a:t>2019. 11. 30.</a:t>
             </a:fld>
             <a:endParaRPr lang="ko-KR" altLang="en-US"/>
           </a:p>
@@ -3630,7 +3630,7 @@
               </a:lnSpc>
               <a:buNone/>
             </a:pPr>
-            <a:endParaRPr lang="en-US" altLang="ko-KR" dirty="0" smtClean="0"/>
+            <a:endParaRPr lang="en-US" altLang="ko-KR" dirty="0"/>
           </a:p>
           <a:p>
             <a:pPr marL="0" indent="0">
@@ -3640,22 +3640,13 @@
               <a:buNone/>
             </a:pPr>
             <a:r>
-              <a:rPr lang="en-US" altLang="ko-KR" dirty="0" smtClean="0"/>
-              <a:t>t1.get(1.0</a:t>
-            </a:r>
-            <a:r>
               <a:rPr lang="en-US" altLang="ko-KR" dirty="0"/>
-              <a:t>, END) # </a:t>
-            </a:r>
-            <a:r>
-              <a:rPr lang="ko-KR" altLang="en-US" dirty="0"/>
-              <a:t>전체 내용 </a:t>
-            </a:r>
-            <a:r>
-              <a:rPr lang="ko-KR" altLang="en-US" dirty="0" smtClean="0"/>
-              <a:t>읽기</a:t>
-            </a:r>
-            <a:endParaRPr lang="ko-KR" altLang="en-US" dirty="0"/>
+              <a:t>t1.get(1.0, END) # </a:t>
+            </a:r>
+            <a:r>
+              <a:rPr lang="ko-KR" altLang="en-US" dirty="0"/>
+              <a:t>전체 내용 읽기</a:t>
+            </a:r>
           </a:p>
           <a:p>
             <a:pPr marL="0" indent="0">
@@ -4087,13 +4078,7 @@
               <a:rPr lang="ko-KR" altLang="en-US" dirty="0">
                 <a:sym typeface="Wingdings" panose="05000000000000000000" pitchFamily="2" charset="2"/>
               </a:rPr>
-              <a:t>에 파일이름 </a:t>
-            </a:r>
-            <a:r>
-              <a:rPr lang="ko-KR" altLang="en-US" dirty="0" smtClean="0">
-                <a:sym typeface="Wingdings" panose="05000000000000000000" pitchFamily="2" charset="2"/>
-              </a:rPr>
-              <a:t>표시</a:t>
+              <a:t>에 파일이름 표시</a:t>
             </a:r>
             <a:endParaRPr lang="en-US" altLang="ko-KR" dirty="0">
               <a:sym typeface="Wingdings" panose="05000000000000000000" pitchFamily="2" charset="2"/>
@@ -4554,18 +4539,33 @@
               <a:t>우에 적절히 여백을 둔다</a:t>
             </a:r>
             <a:r>
-              <a:rPr lang="en-US" altLang="ko-KR" dirty="0" smtClean="0"/>
-              <a:t>. (</a:t>
-            </a:r>
-            <a:r>
-              <a:rPr lang="ko-KR" altLang="en-US" dirty="0" smtClean="0"/>
+              <a:rPr lang="en-US" altLang="ko-KR" dirty="0"/>
+              <a:t>. </a:t>
+            </a:r>
+            <a:r>
+              <a:rPr lang="en-US" altLang="ko-KR" dirty="0">
+                <a:highlight>
+                  <a:srgbClr val="00FFFF"/>
+                </a:highlight>
+              </a:rPr>
+              <a:t>(</a:t>
+            </a:r>
+            <a:r>
+              <a:rPr lang="ko-KR" altLang="en-US" dirty="0">
+                <a:highlight>
+                  <a:srgbClr val="00FFFF"/>
+                </a:highlight>
+              </a:rPr>
               <a:t>프레임 이용할 것</a:t>
             </a:r>
             <a:r>
-              <a:rPr lang="en-US" altLang="ko-KR" smtClean="0"/>
+              <a:rPr lang="en-US" altLang="ko-KR" dirty="0">
+                <a:highlight>
+                  <a:srgbClr val="00FFFF"/>
+                </a:highlight>
+              </a:rPr>
               <a:t>)</a:t>
             </a:r>
-            <a:endParaRPr lang="en-US" altLang="ko-KR" dirty="0"/>
           </a:p>
           <a:p>
             <a:pPr>
@@ -4587,22 +4587,46 @@
             </a:r>
             <a:r>
               <a:rPr lang="en-US" altLang="ko-KR" dirty="0"/>
-              <a:t>, grid </a:t>
-            </a:r>
-            <a:r>
-              <a:rPr lang="ko-KR" altLang="en-US" dirty="0"/>
+              <a:t>, </a:t>
+            </a:r>
+            <a:r>
+              <a:rPr lang="en-US" altLang="ko-KR" dirty="0">
+                <a:highlight>
+                  <a:srgbClr val="00FFFF"/>
+                </a:highlight>
+              </a:rPr>
+              <a:t>grid </a:t>
+            </a:r>
+            <a:r>
+              <a:rPr lang="ko-KR" altLang="en-US" dirty="0">
+                <a:highlight>
+                  <a:srgbClr val="00FFFF"/>
+                </a:highlight>
+              </a:rPr>
               <a:t>레이아웃에서 </a:t>
             </a:r>
             <a:r>
-              <a:rPr lang="en-US" altLang="ko-KR" dirty="0"/>
+              <a:rPr lang="en-US" altLang="ko-KR" dirty="0">
+                <a:highlight>
+                  <a:srgbClr val="00FFFF"/>
+                </a:highlight>
+              </a:rPr>
               <a:t>2</a:t>
             </a:r>
             <a:r>
-              <a:rPr lang="ko-KR" altLang="en-US" dirty="0"/>
+              <a:rPr lang="ko-KR" altLang="en-US" dirty="0">
+                <a:highlight>
+                  <a:srgbClr val="00FFFF"/>
+                </a:highlight>
+              </a:rPr>
               <a:t>칸을 차지하도록 한다</a:t>
             </a:r>
             <a:r>
-              <a:rPr lang="en-US" altLang="ko-KR" dirty="0"/>
+              <a:rPr lang="en-US" altLang="ko-KR" dirty="0">
+                <a:highlight>
+                  <a:srgbClr val="00FFFF"/>
+                </a:highlight>
+              </a:rPr>
               <a:t>.</a:t>
             </a:r>
           </a:p>
@@ -5367,7 +5391,7 @@
           <a:lstStyle/>
           <a:p>
             <a:r>
-              <a:rPr lang="en-US" altLang="ko-KR" dirty="0" smtClean="0">
+              <a:rPr lang="en-US" altLang="ko-KR" dirty="0">
                 <a:solidFill>
                   <a:srgbClr val="FF0000"/>
                 </a:solidFill>
@@ -5375,18 +5399,13 @@
               <a:t>txt</a:t>
             </a:r>
             <a:r>
-              <a:rPr lang="ko-KR" altLang="en-US" dirty="0" smtClean="0">
+              <a:rPr lang="ko-KR" altLang="en-US" dirty="0">
                 <a:solidFill>
                   <a:srgbClr val="FF0000"/>
                 </a:solidFill>
               </a:rPr>
               <a:t>파일</a:t>
             </a:r>
-            <a:endParaRPr lang="ko-KR" altLang="en-US" dirty="0">
-              <a:solidFill>
-                <a:srgbClr val="FF0000"/>
-              </a:solidFill>
-            </a:endParaRPr>
           </a:p>
         </p:txBody>
       </p:sp>
@@ -5413,7 +5432,7 @@
           <a:lstStyle/>
           <a:p>
             <a:r>
-              <a:rPr lang="ko-KR" altLang="en-US" dirty="0" err="1" smtClean="0">
+              <a:rPr lang="ko-KR" altLang="en-US" dirty="0" err="1">
                 <a:solidFill>
                   <a:srgbClr val="FF0000"/>
                 </a:solidFill>
@@ -5451,7 +5470,7 @@
           <a:lstStyle/>
           <a:p>
             <a:r>
-              <a:rPr lang="en-US" altLang="ko-KR" dirty="0" smtClean="0">
+              <a:rPr lang="en-US" altLang="ko-KR" dirty="0">
                 <a:solidFill>
                   <a:srgbClr val="FF0000"/>
                 </a:solidFill>
@@ -5459,14 +5478,14 @@
               <a:t>txt </a:t>
             </a:r>
             <a:r>
-              <a:rPr lang="ko-KR" altLang="en-US" dirty="0" err="1" smtClean="0">
+              <a:rPr lang="ko-KR" altLang="en-US" dirty="0" err="1">
                 <a:solidFill>
                   <a:srgbClr val="FF0000"/>
                 </a:solidFill>
               </a:rPr>
               <a:t>인코딩</a:t>
             </a:r>
-            <a:endParaRPr lang="en-US" altLang="ko-KR" dirty="0" smtClean="0">
+            <a:endParaRPr lang="en-US" altLang="ko-KR" dirty="0">
               <a:solidFill>
                 <a:srgbClr val="FF0000"/>
               </a:solidFill>
@@ -5474,7 +5493,7 @@
           </a:p>
           <a:p>
             <a:r>
-              <a:rPr lang="en-US" altLang="ko-KR" dirty="0" smtClean="0">
+              <a:rPr lang="en-US" altLang="ko-KR" dirty="0">
                 <a:solidFill>
                   <a:srgbClr val="FF0000"/>
                 </a:solidFill>
@@ -5482,7 +5501,7 @@
               <a:t>(</a:t>
             </a:r>
             <a:r>
-              <a:rPr lang="en-US" altLang="ko-KR" dirty="0" err="1" smtClean="0">
+              <a:rPr lang="en-US" altLang="ko-KR" dirty="0" err="1">
                 <a:solidFill>
                   <a:srgbClr val="FF0000"/>
                 </a:solidFill>
@@ -5490,7 +5509,7 @@
               <a:t>enc</a:t>
             </a:r>
             <a:r>
-              <a:rPr lang="en-US" altLang="ko-KR" dirty="0" smtClean="0">
+              <a:rPr lang="en-US" altLang="ko-KR" dirty="0">
                 <a:solidFill>
                   <a:srgbClr val="FF0000"/>
                 </a:solidFill>
@@ -5498,7 +5517,7 @@
               <a:t> </a:t>
             </a:r>
             <a:r>
-              <a:rPr lang="ko-KR" altLang="en-US" dirty="0" smtClean="0">
+              <a:rPr lang="ko-KR" altLang="en-US" dirty="0">
                 <a:solidFill>
                   <a:srgbClr val="FF0000"/>
                 </a:solidFill>
@@ -5506,7 +5525,7 @@
               <a:t>파일</a:t>
             </a:r>
             <a:r>
-              <a:rPr lang="en-US" altLang="ko-KR" dirty="0" smtClean="0">
+              <a:rPr lang="en-US" altLang="ko-KR" dirty="0">
                 <a:solidFill>
                   <a:srgbClr val="FF0000"/>
                 </a:solidFill>
@@ -5545,7 +5564,7 @@
           <a:p>
             <a:pPr algn="r"/>
             <a:r>
-              <a:rPr lang="ko-KR" altLang="en-US" dirty="0" err="1" smtClean="0">
+              <a:rPr lang="ko-KR" altLang="en-US" dirty="0" err="1">
                 <a:solidFill>
                   <a:srgbClr val="FF0000"/>
                 </a:solidFill>
@@ -5553,7 +5572,7 @@
               <a:t>암호키</a:t>
             </a:r>
             <a:r>
-              <a:rPr lang="en-US" altLang="ko-KR" dirty="0" smtClean="0">
+              <a:rPr lang="en-US" altLang="ko-KR" dirty="0">
                 <a:solidFill>
                   <a:srgbClr val="FF0000"/>
                 </a:solidFill>
@@ -5561,14 +5580,14 @@
               <a:t> </a:t>
             </a:r>
             <a:r>
-              <a:rPr lang="ko-KR" altLang="en-US" dirty="0" err="1" smtClean="0">
+              <a:rPr lang="ko-KR" altLang="en-US" dirty="0" err="1">
                 <a:solidFill>
                   <a:srgbClr val="FF0000"/>
                 </a:solidFill>
               </a:rPr>
               <a:t>인코딩</a:t>
             </a:r>
-            <a:endParaRPr lang="en-US" altLang="ko-KR" dirty="0" smtClean="0">
+            <a:endParaRPr lang="en-US" altLang="ko-KR" dirty="0">
               <a:solidFill>
                 <a:srgbClr val="FF0000"/>
               </a:solidFill>
@@ -5577,7 +5596,7 @@
           <a:p>
             <a:pPr algn="r"/>
             <a:r>
-              <a:rPr lang="en-US" altLang="ko-KR" dirty="0" smtClean="0">
+              <a:rPr lang="en-US" altLang="ko-KR" dirty="0">
                 <a:solidFill>
                   <a:srgbClr val="FF0000"/>
                 </a:solidFill>
@@ -5585,7 +5604,7 @@
               <a:t>(key </a:t>
             </a:r>
             <a:r>
-              <a:rPr lang="ko-KR" altLang="en-US" dirty="0" smtClean="0">
+              <a:rPr lang="ko-KR" altLang="en-US" dirty="0">
                 <a:solidFill>
                   <a:srgbClr val="FF0000"/>
                 </a:solidFill>
@@ -5593,7 +5612,7 @@
               <a:t>파일</a:t>
             </a:r>
             <a:r>
-              <a:rPr lang="en-US" altLang="ko-KR" dirty="0" smtClean="0">
+              <a:rPr lang="en-US" altLang="ko-KR" dirty="0">
                 <a:solidFill>
                   <a:srgbClr val="FF0000"/>
                 </a:solidFill>
@@ -6268,7 +6287,7 @@
           <a:lstStyle/>
           <a:p>
             <a:r>
-              <a:rPr lang="en-US" altLang="ko-KR" dirty="0" err="1" smtClean="0">
+              <a:rPr lang="en-US" altLang="ko-KR" dirty="0" err="1">
                 <a:solidFill>
                   <a:srgbClr val="FF0000"/>
                 </a:solidFill>
@@ -6276,18 +6295,13 @@
               <a:t>enc</a:t>
             </a:r>
             <a:r>
-              <a:rPr lang="ko-KR" altLang="en-US" dirty="0" smtClean="0">
+              <a:rPr lang="ko-KR" altLang="en-US" dirty="0">
                 <a:solidFill>
                   <a:srgbClr val="FF0000"/>
                 </a:solidFill>
               </a:rPr>
               <a:t>파일</a:t>
             </a:r>
-            <a:endParaRPr lang="ko-KR" altLang="en-US" dirty="0">
-              <a:solidFill>
-                <a:srgbClr val="FF0000"/>
-              </a:solidFill>
-            </a:endParaRPr>
           </a:p>
         </p:txBody>
       </p:sp>
@@ -6314,7 +6328,7 @@
           <a:lstStyle/>
           <a:p>
             <a:r>
-              <a:rPr lang="en-US" altLang="ko-KR" dirty="0" smtClean="0">
+              <a:rPr lang="en-US" altLang="ko-KR" dirty="0">
                 <a:solidFill>
                   <a:srgbClr val="FF0000"/>
                 </a:solidFill>
@@ -6322,18 +6336,13 @@
               <a:t>key </a:t>
             </a:r>
             <a:r>
-              <a:rPr lang="ko-KR" altLang="en-US" dirty="0" smtClean="0">
+              <a:rPr lang="ko-KR" altLang="en-US" dirty="0">
                 <a:solidFill>
                   <a:srgbClr val="FF0000"/>
                 </a:solidFill>
               </a:rPr>
               <a:t>파일</a:t>
             </a:r>
-            <a:endParaRPr lang="ko-KR" altLang="en-US" dirty="0">
-              <a:solidFill>
-                <a:srgbClr val="FF0000"/>
-              </a:solidFill>
-            </a:endParaRPr>
           </a:p>
         </p:txBody>
       </p:sp>
@@ -6360,7 +6369,7 @@
           <a:lstStyle/>
           <a:p>
             <a:r>
-              <a:rPr lang="en-US" altLang="ko-KR" smtClean="0">
+              <a:rPr lang="en-US" altLang="ko-KR">
                 <a:solidFill>
                   <a:srgbClr val="FF0000"/>
                 </a:solidFill>
@@ -6368,7 +6377,7 @@
               <a:t>key </a:t>
             </a:r>
             <a:r>
-              <a:rPr lang="ko-KR" altLang="en-US" dirty="0" err="1" smtClean="0">
+              <a:rPr lang="ko-KR" altLang="en-US" dirty="0" err="1">
                 <a:solidFill>
                   <a:srgbClr val="FF0000"/>
                 </a:solidFill>
@@ -6406,7 +6415,7 @@
           <a:lstStyle/>
           <a:p>
             <a:r>
-              <a:rPr lang="en-US" altLang="ko-KR" dirty="0" err="1" smtClean="0">
+              <a:rPr lang="en-US" altLang="ko-KR" dirty="0" err="1">
                 <a:solidFill>
                   <a:srgbClr val="FF0000"/>
                 </a:solidFill>
@@ -6414,7 +6423,7 @@
               <a:t>enc</a:t>
             </a:r>
             <a:r>
-              <a:rPr lang="en-US" altLang="ko-KR" dirty="0" smtClean="0">
+              <a:rPr lang="en-US" altLang="ko-KR" dirty="0">
                 <a:solidFill>
                   <a:srgbClr val="FF0000"/>
                 </a:solidFill>
@@ -6422,7 +6431,7 @@
               <a:t> </a:t>
             </a:r>
             <a:r>
-              <a:rPr lang="ko-KR" altLang="en-US" dirty="0" err="1" smtClean="0">
+              <a:rPr lang="ko-KR" altLang="en-US" dirty="0" err="1">
                 <a:solidFill>
                   <a:srgbClr val="FF0000"/>
                 </a:solidFill>
@@ -7264,38 +7273,34 @@
             <a:pPr lvl="1"/>
             <a:r>
               <a:rPr lang="ko-KR" altLang="en-US" dirty="0"/>
-              <a:t>파일 열기 후 방금 연 파일의 내용 저장 </a:t>
-            </a:r>
-            <a:r>
-              <a:rPr lang="ko-KR" altLang="en-US" dirty="0" smtClean="0"/>
-              <a:t>시</a:t>
-            </a:r>
-            <a:endParaRPr lang="en-US" altLang="ko-KR" dirty="0" smtClean="0"/>
+              <a:t>파일 열기 후 방금 연 파일의 내용 저장 시</a:t>
+            </a:r>
+            <a:endParaRPr lang="en-US" altLang="ko-KR" dirty="0"/>
           </a:p>
           <a:p>
             <a:pPr lvl="1"/>
             <a:r>
-              <a:rPr lang="ko-KR" altLang="en-US" dirty="0" err="1" smtClean="0"/>
+              <a:rPr lang="ko-KR" altLang="en-US" dirty="0" err="1"/>
               <a:t>디코딩</a:t>
             </a:r>
             <a:r>
-              <a:rPr lang="ko-KR" altLang="en-US" dirty="0" smtClean="0"/>
+              <a:rPr lang="ko-KR" altLang="en-US" dirty="0"/>
               <a:t> 시</a:t>
             </a:r>
             <a:r>
-              <a:rPr lang="en-US" altLang="ko-KR" dirty="0" smtClean="0"/>
+              <a:rPr lang="en-US" altLang="ko-KR" dirty="0"/>
               <a:t>, </a:t>
             </a:r>
             <a:r>
-              <a:rPr lang="ko-KR" altLang="en-US" dirty="0" smtClean="0"/>
+              <a:rPr lang="ko-KR" altLang="en-US" dirty="0"/>
               <a:t>파일 열기 후 방금 연 파일의 </a:t>
             </a:r>
             <a:r>
-              <a:rPr lang="en-US" altLang="ko-KR" dirty="0" smtClean="0"/>
+              <a:rPr lang="en-US" altLang="ko-KR" dirty="0"/>
               <a:t>key</a:t>
             </a:r>
             <a:r>
-              <a:rPr lang="ko-KR" altLang="en-US" smtClean="0"/>
+              <a:rPr lang="ko-KR" altLang="en-US" dirty="0"/>
               <a:t>파일 내용 저장 시</a:t>
             </a:r>
             <a:endParaRPr lang="en-US" altLang="ko-KR" dirty="0"/>
